--- a/paper/figures/diagrams.pptx
+++ b/paper/figures/diagrams.pptx
@@ -6,6 +6,8 @@
   </p:sldMasterIdLst>
   <p:sldIdLst>
     <p:sldId id="256" r:id="rId2"/>
+    <p:sldId id="257" r:id="rId3"/>
+    <p:sldId id="258" r:id="rId4"/>
   </p:sldIdLst>
   <p:sldSz cx="12192000" cy="6858000"/>
   <p:notesSz cx="6858000" cy="9144000"/>
@@ -104,6 +106,11 @@
       </a:defRPr>
     </a:lvl9pPr>
   </p:defaultTextStyle>
+  <p:extLst>
+    <p:ext uri="{EFAFB233-063F-42B5-8137-9DF3F51BA10A}">
+      <p15:sldGuideLst xmlns:p15="http://schemas.microsoft.com/office/powerpoint/2012/main"/>
+    </p:ext>
+  </p:extLst>
 </p:presentation>
 </file>
 
@@ -238,7 +245,7 @@
           <a:p>
             <a:fld id="{7989AA77-8249-5844-93E6-9862552651DF}" type="datetimeFigureOut">
               <a:rPr lang="en-US" smtClean="0"/>
-              <a:t>9/4/18</a:t>
+              <a:t>9/5/18</a:t>
             </a:fld>
             <a:endParaRPr lang="en-US"/>
           </a:p>
@@ -408,7 +415,7 @@
           <a:p>
             <a:fld id="{7989AA77-8249-5844-93E6-9862552651DF}" type="datetimeFigureOut">
               <a:rPr lang="en-US" smtClean="0"/>
-              <a:t>9/4/18</a:t>
+              <a:t>9/5/18</a:t>
             </a:fld>
             <a:endParaRPr lang="en-US"/>
           </a:p>
@@ -588,7 +595,7 @@
           <a:p>
             <a:fld id="{7989AA77-8249-5844-93E6-9862552651DF}" type="datetimeFigureOut">
               <a:rPr lang="en-US" smtClean="0"/>
-              <a:t>9/4/18</a:t>
+              <a:t>9/5/18</a:t>
             </a:fld>
             <a:endParaRPr lang="en-US"/>
           </a:p>
@@ -758,7 +765,7 @@
           <a:p>
             <a:fld id="{7989AA77-8249-5844-93E6-9862552651DF}" type="datetimeFigureOut">
               <a:rPr lang="en-US" smtClean="0"/>
-              <a:t>9/4/18</a:t>
+              <a:t>9/5/18</a:t>
             </a:fld>
             <a:endParaRPr lang="en-US"/>
           </a:p>
@@ -1004,7 +1011,7 @@
           <a:p>
             <a:fld id="{7989AA77-8249-5844-93E6-9862552651DF}" type="datetimeFigureOut">
               <a:rPr lang="en-US" smtClean="0"/>
-              <a:t>9/4/18</a:t>
+              <a:t>9/5/18</a:t>
             </a:fld>
             <a:endParaRPr lang="en-US"/>
           </a:p>
@@ -1236,7 +1243,7 @@
           <a:p>
             <a:fld id="{7989AA77-8249-5844-93E6-9862552651DF}" type="datetimeFigureOut">
               <a:rPr lang="en-US" smtClean="0"/>
-              <a:t>9/4/18</a:t>
+              <a:t>9/5/18</a:t>
             </a:fld>
             <a:endParaRPr lang="en-US"/>
           </a:p>
@@ -1603,7 +1610,7 @@
           <a:p>
             <a:fld id="{7989AA77-8249-5844-93E6-9862552651DF}" type="datetimeFigureOut">
               <a:rPr lang="en-US" smtClean="0"/>
-              <a:t>9/4/18</a:t>
+              <a:t>9/5/18</a:t>
             </a:fld>
             <a:endParaRPr lang="en-US"/>
           </a:p>
@@ -1721,7 +1728,7 @@
           <a:p>
             <a:fld id="{7989AA77-8249-5844-93E6-9862552651DF}" type="datetimeFigureOut">
               <a:rPr lang="en-US" smtClean="0"/>
-              <a:t>9/4/18</a:t>
+              <a:t>9/5/18</a:t>
             </a:fld>
             <a:endParaRPr lang="en-US"/>
           </a:p>
@@ -1816,7 +1823,7 @@
           <a:p>
             <a:fld id="{7989AA77-8249-5844-93E6-9862552651DF}" type="datetimeFigureOut">
               <a:rPr lang="en-US" smtClean="0"/>
-              <a:t>9/4/18</a:t>
+              <a:t>9/5/18</a:t>
             </a:fld>
             <a:endParaRPr lang="en-US"/>
           </a:p>
@@ -2093,7 +2100,7 @@
           <a:p>
             <a:fld id="{7989AA77-8249-5844-93E6-9862552651DF}" type="datetimeFigureOut">
               <a:rPr lang="en-US" smtClean="0"/>
-              <a:t>9/4/18</a:t>
+              <a:t>9/5/18</a:t>
             </a:fld>
             <a:endParaRPr lang="en-US"/>
           </a:p>
@@ -2346,7 +2353,7 @@
           <a:p>
             <a:fld id="{7989AA77-8249-5844-93E6-9862552651DF}" type="datetimeFigureOut">
               <a:rPr lang="en-US" smtClean="0"/>
-              <a:t>9/4/18</a:t>
+              <a:t>9/5/18</a:t>
             </a:fld>
             <a:endParaRPr lang="en-US"/>
           </a:p>
@@ -2559,7 +2566,7 @@
           <a:p>
             <a:fld id="{7989AA77-8249-5844-93E6-9862552651DF}" type="datetimeFigureOut">
               <a:rPr lang="en-US" smtClean="0"/>
-              <a:t>9/4/18</a:t>
+              <a:t>9/5/18</a:t>
             </a:fld>
             <a:endParaRPr lang="en-US"/>
           </a:p>
@@ -3172,6 +3179,2404 @@
 </p:sld>
 </file>
 
+<file path=ppt/slides/slide2.xml><?xml version="1.0" encoding="utf-8"?>
+<p:sld xmlns:a="http://schemas.openxmlformats.org/drawingml/2006/main" xmlns:r="http://schemas.openxmlformats.org/officeDocument/2006/relationships" xmlns:p="http://schemas.openxmlformats.org/presentationml/2006/main">
+  <p:cSld>
+    <p:spTree>
+      <p:nvGrpSpPr>
+        <p:cNvPr id="1" name=""/>
+        <p:cNvGrpSpPr/>
+        <p:nvPr/>
+      </p:nvGrpSpPr>
+      <p:grpSpPr>
+        <a:xfrm>
+          <a:off x="0" y="0"/>
+          <a:ext cx="0" cy="0"/>
+          <a:chOff x="0" y="0"/>
+          <a:chExt cx="0" cy="0"/>
+        </a:xfrm>
+      </p:grpSpPr>
+      <p:grpSp>
+        <p:nvGrpSpPr>
+          <p:cNvPr id="14" name="Group 13"/>
+          <p:cNvGrpSpPr/>
+          <p:nvPr/>
+        </p:nvGrpSpPr>
+        <p:grpSpPr>
+          <a:xfrm>
+            <a:off x="4328827" y="2737944"/>
+            <a:ext cx="3205654" cy="357352"/>
+            <a:chOff x="3678621" y="1923393"/>
+            <a:chExt cx="3205654" cy="357352"/>
+          </a:xfrm>
+        </p:grpSpPr>
+        <p:sp>
+          <p:nvSpPr>
+            <p:cNvPr id="4" name="Oval 3"/>
+            <p:cNvSpPr/>
+            <p:nvPr/>
+          </p:nvSpPr>
+          <p:spPr>
+            <a:xfrm>
+              <a:off x="3678621" y="1923393"/>
+              <a:ext cx="357351" cy="357352"/>
+            </a:xfrm>
+            <a:prstGeom prst="ellipse">
+              <a:avLst/>
+            </a:prstGeom>
+            <a:noFill/>
+            <a:ln w="38100">
+              <a:solidFill>
+                <a:schemeClr val="tx1"/>
+              </a:solidFill>
+            </a:ln>
+          </p:spPr>
+          <p:style>
+            <a:lnRef idx="2">
+              <a:schemeClr val="accent1">
+                <a:shade val="50000"/>
+              </a:schemeClr>
+            </a:lnRef>
+            <a:fillRef idx="1">
+              <a:schemeClr val="accent1"/>
+            </a:fillRef>
+            <a:effectRef idx="0">
+              <a:schemeClr val="accent1"/>
+            </a:effectRef>
+            <a:fontRef idx="minor">
+              <a:schemeClr val="lt1"/>
+            </a:fontRef>
+          </p:style>
+          <p:txBody>
+            <a:bodyPr rtlCol="0" anchor="ctr"/>
+            <a:lstStyle/>
+            <a:p>
+              <a:pPr algn="ctr"/>
+              <a:endParaRPr lang="en-US"/>
+            </a:p>
+          </p:txBody>
+        </p:sp>
+        <p:sp>
+          <p:nvSpPr>
+            <p:cNvPr id="6" name="Oval 5"/>
+            <p:cNvSpPr/>
+            <p:nvPr/>
+          </p:nvSpPr>
+          <p:spPr>
+            <a:xfrm>
+              <a:off x="5102773" y="1923393"/>
+              <a:ext cx="357351" cy="357352"/>
+            </a:xfrm>
+            <a:prstGeom prst="ellipse">
+              <a:avLst/>
+            </a:prstGeom>
+            <a:noFill/>
+            <a:ln w="38100">
+              <a:solidFill>
+                <a:schemeClr val="tx1"/>
+              </a:solidFill>
+            </a:ln>
+          </p:spPr>
+          <p:style>
+            <a:lnRef idx="2">
+              <a:schemeClr val="accent1">
+                <a:shade val="50000"/>
+              </a:schemeClr>
+            </a:lnRef>
+            <a:fillRef idx="1">
+              <a:schemeClr val="accent1"/>
+            </a:fillRef>
+            <a:effectRef idx="0">
+              <a:schemeClr val="accent1"/>
+            </a:effectRef>
+            <a:fontRef idx="minor">
+              <a:schemeClr val="lt1"/>
+            </a:fontRef>
+          </p:style>
+          <p:txBody>
+            <a:bodyPr rtlCol="0" anchor="ctr"/>
+            <a:lstStyle/>
+            <a:p>
+              <a:pPr algn="ctr"/>
+              <a:endParaRPr lang="en-US"/>
+            </a:p>
+          </p:txBody>
+        </p:sp>
+        <p:cxnSp>
+          <p:nvCxnSpPr>
+            <p:cNvPr id="8" name="Straight Arrow Connector 7"/>
+            <p:cNvCxnSpPr>
+              <a:stCxn id="4" idx="6"/>
+              <a:endCxn id="6" idx="2"/>
+            </p:cNvCxnSpPr>
+            <p:nvPr/>
+          </p:nvCxnSpPr>
+          <p:spPr>
+            <a:xfrm>
+              <a:off x="4035972" y="2102069"/>
+              <a:ext cx="1066801" cy="0"/>
+            </a:xfrm>
+            <a:prstGeom prst="straightConnector1">
+              <a:avLst/>
+            </a:prstGeom>
+            <a:ln w="38100">
+              <a:solidFill>
+                <a:schemeClr val="tx1"/>
+              </a:solidFill>
+              <a:tailEnd type="triangle" w="lg" len="med"/>
+            </a:ln>
+          </p:spPr>
+          <p:style>
+            <a:lnRef idx="1">
+              <a:schemeClr val="accent1"/>
+            </a:lnRef>
+            <a:fillRef idx="0">
+              <a:schemeClr val="accent1"/>
+            </a:fillRef>
+            <a:effectRef idx="0">
+              <a:schemeClr val="accent1"/>
+            </a:effectRef>
+            <a:fontRef idx="minor">
+              <a:schemeClr val="tx1"/>
+            </a:fontRef>
+          </p:style>
+        </p:cxnSp>
+        <p:sp>
+          <p:nvSpPr>
+            <p:cNvPr id="10" name="Oval 9"/>
+            <p:cNvSpPr/>
+            <p:nvPr/>
+          </p:nvSpPr>
+          <p:spPr>
+            <a:xfrm>
+              <a:off x="6526924" y="1923393"/>
+              <a:ext cx="357351" cy="357352"/>
+            </a:xfrm>
+            <a:prstGeom prst="ellipse">
+              <a:avLst/>
+            </a:prstGeom>
+            <a:noFill/>
+            <a:ln w="38100">
+              <a:solidFill>
+                <a:schemeClr val="tx1"/>
+              </a:solidFill>
+            </a:ln>
+          </p:spPr>
+          <p:style>
+            <a:lnRef idx="2">
+              <a:schemeClr val="accent1">
+                <a:shade val="50000"/>
+              </a:schemeClr>
+            </a:lnRef>
+            <a:fillRef idx="1">
+              <a:schemeClr val="accent1"/>
+            </a:fillRef>
+            <a:effectRef idx="0">
+              <a:schemeClr val="accent1"/>
+            </a:effectRef>
+            <a:fontRef idx="minor">
+              <a:schemeClr val="lt1"/>
+            </a:fontRef>
+          </p:style>
+          <p:txBody>
+            <a:bodyPr rtlCol="0" anchor="ctr"/>
+            <a:lstStyle/>
+            <a:p>
+              <a:pPr algn="ctr"/>
+              <a:endParaRPr lang="en-US"/>
+            </a:p>
+          </p:txBody>
+        </p:sp>
+        <p:cxnSp>
+          <p:nvCxnSpPr>
+            <p:cNvPr id="11" name="Straight Arrow Connector 10"/>
+            <p:cNvCxnSpPr>
+              <a:stCxn id="6" idx="6"/>
+              <a:endCxn id="10" idx="2"/>
+            </p:cNvCxnSpPr>
+            <p:nvPr/>
+          </p:nvCxnSpPr>
+          <p:spPr>
+            <a:xfrm>
+              <a:off x="5460124" y="2102069"/>
+              <a:ext cx="1066800" cy="0"/>
+            </a:xfrm>
+            <a:prstGeom prst="straightConnector1">
+              <a:avLst/>
+            </a:prstGeom>
+            <a:ln w="38100">
+              <a:solidFill>
+                <a:schemeClr val="tx1"/>
+              </a:solidFill>
+              <a:tailEnd type="triangle" w="lg" len="med"/>
+            </a:ln>
+          </p:spPr>
+          <p:style>
+            <a:lnRef idx="1">
+              <a:schemeClr val="accent1"/>
+            </a:lnRef>
+            <a:fillRef idx="0">
+              <a:schemeClr val="accent1"/>
+            </a:fillRef>
+            <a:effectRef idx="0">
+              <a:schemeClr val="accent1"/>
+            </a:effectRef>
+            <a:fontRef idx="minor">
+              <a:schemeClr val="tx1"/>
+            </a:fontRef>
+          </p:style>
+        </p:cxnSp>
+      </p:grpSp>
+      <p:sp>
+        <p:nvSpPr>
+          <p:cNvPr id="16" name="Oval 15"/>
+          <p:cNvSpPr/>
+          <p:nvPr/>
+        </p:nvSpPr>
+        <p:spPr>
+          <a:xfrm>
+            <a:off x="3834840" y="2396358"/>
+            <a:ext cx="4193628" cy="1040524"/>
+          </a:xfrm>
+          <a:prstGeom prst="ellipse">
+            <a:avLst/>
+          </a:prstGeom>
+          <a:noFill/>
+          <a:ln w="19050">
+            <a:solidFill>
+              <a:schemeClr val="tx1">
+                <a:lumMod val="95000"/>
+                <a:lumOff val="5000"/>
+              </a:schemeClr>
+            </a:solidFill>
+            <a:prstDash val="dash"/>
+          </a:ln>
+        </p:spPr>
+        <p:style>
+          <a:lnRef idx="2">
+            <a:schemeClr val="accent1">
+              <a:shade val="50000"/>
+            </a:schemeClr>
+          </a:lnRef>
+          <a:fillRef idx="1">
+            <a:schemeClr val="accent1"/>
+          </a:fillRef>
+          <a:effectRef idx="0">
+            <a:schemeClr val="accent1"/>
+          </a:effectRef>
+          <a:fontRef idx="minor">
+            <a:schemeClr val="lt1"/>
+          </a:fontRef>
+        </p:style>
+        <p:txBody>
+          <a:bodyPr rtlCol="0" anchor="ctr"/>
+          <a:lstStyle/>
+          <a:p>
+            <a:pPr algn="ctr"/>
+            <a:endParaRPr lang="en-US"/>
+          </a:p>
+        </p:txBody>
+      </p:sp>
+      <p:grpSp>
+        <p:nvGrpSpPr>
+          <p:cNvPr id="48" name="Group 47"/>
+          <p:cNvGrpSpPr/>
+          <p:nvPr/>
+        </p:nvGrpSpPr>
+        <p:grpSpPr>
+          <a:xfrm>
+            <a:off x="1713585" y="1832772"/>
+            <a:ext cx="1390233" cy="1262915"/>
+            <a:chOff x="8921846" y="2216012"/>
+            <a:chExt cx="1390233" cy="1262915"/>
+          </a:xfrm>
+        </p:grpSpPr>
+        <p:pic>
+          <p:nvPicPr>
+            <p:cNvPr id="17" name="Picture 16"/>
+            <p:cNvPicPr>
+              <a:picLocks noChangeAspect="1"/>
+            </p:cNvPicPr>
+            <p:nvPr/>
+          </p:nvPicPr>
+          <p:blipFill>
+            <a:blip r:embed="rId2">
+              <a:extLst>
+                <a:ext uri="{28A0092B-C50C-407E-A947-70E740481C1C}">
+                  <a14:useLocalDpi xmlns:a14="http://schemas.microsoft.com/office/drawing/2010/main" val="0"/>
+                </a:ext>
+              </a:extLst>
+            </a:blip>
+            <a:stretch>
+              <a:fillRect/>
+            </a:stretch>
+          </p:blipFill>
+          <p:spPr>
+            <a:xfrm>
+              <a:off x="8984905" y="2811520"/>
+              <a:ext cx="667407" cy="667407"/>
+            </a:xfrm>
+            <a:prstGeom prst="rect">
+              <a:avLst/>
+            </a:prstGeom>
+          </p:spPr>
+        </p:pic>
+        <p:pic>
+          <p:nvPicPr>
+            <p:cNvPr id="18" name="Picture 17"/>
+            <p:cNvPicPr>
+              <a:picLocks noChangeAspect="1"/>
+            </p:cNvPicPr>
+            <p:nvPr/>
+          </p:nvPicPr>
+          <p:blipFill>
+            <a:blip r:embed="rId3">
+              <a:extLst>
+                <a:ext uri="{28A0092B-C50C-407E-A947-70E740481C1C}">
+                  <a14:useLocalDpi xmlns:a14="http://schemas.microsoft.com/office/drawing/2010/main" val="0"/>
+                </a:ext>
+              </a:extLst>
+            </a:blip>
+            <a:stretch>
+              <a:fillRect/>
+            </a:stretch>
+          </p:blipFill>
+          <p:spPr>
+            <a:xfrm>
+              <a:off x="9471251" y="2412124"/>
+              <a:ext cx="840828" cy="698938"/>
+            </a:xfrm>
+            <a:prstGeom prst="rect">
+              <a:avLst/>
+            </a:prstGeom>
+          </p:spPr>
+        </p:pic>
+        <p:pic>
+          <p:nvPicPr>
+            <p:cNvPr id="19" name="Picture 18"/>
+            <p:cNvPicPr>
+              <a:picLocks noChangeAspect="1"/>
+            </p:cNvPicPr>
+            <p:nvPr/>
+          </p:nvPicPr>
+          <p:blipFill>
+            <a:blip r:embed="rId4">
+              <a:extLst>
+                <a:ext uri="{28A0092B-C50C-407E-A947-70E740481C1C}">
+                  <a14:useLocalDpi xmlns:a14="http://schemas.microsoft.com/office/drawing/2010/main" val="0"/>
+                </a:ext>
+              </a:extLst>
+            </a:blip>
+            <a:stretch>
+              <a:fillRect/>
+            </a:stretch>
+          </p:blipFill>
+          <p:spPr>
+            <a:xfrm>
+              <a:off x="8921846" y="2216012"/>
+              <a:ext cx="601955" cy="556091"/>
+            </a:xfrm>
+            <a:prstGeom prst="rect">
+              <a:avLst/>
+            </a:prstGeom>
+          </p:spPr>
+        </p:pic>
+      </p:grpSp>
+      <p:grpSp>
+        <p:nvGrpSpPr>
+          <p:cNvPr id="47" name="Group 46"/>
+          <p:cNvGrpSpPr/>
+          <p:nvPr/>
+        </p:nvGrpSpPr>
+        <p:grpSpPr>
+          <a:xfrm>
+            <a:off x="6822755" y="658306"/>
+            <a:ext cx="2607408" cy="1148191"/>
+            <a:chOff x="6822755" y="658306"/>
+            <a:chExt cx="2607408" cy="1148191"/>
+          </a:xfrm>
+        </p:grpSpPr>
+        <p:pic>
+          <p:nvPicPr>
+            <p:cNvPr id="21" name="Picture 20"/>
+            <p:cNvPicPr>
+              <a:picLocks noChangeAspect="1"/>
+            </p:cNvPicPr>
+            <p:nvPr/>
+          </p:nvPicPr>
+          <p:blipFill>
+            <a:blip r:embed="rId5">
+              <a:extLst>
+                <a:ext uri="{28A0092B-C50C-407E-A947-70E740481C1C}">
+                  <a14:useLocalDpi xmlns:a14="http://schemas.microsoft.com/office/drawing/2010/main" val="0"/>
+                </a:ext>
+              </a:extLst>
+            </a:blip>
+            <a:stretch>
+              <a:fillRect/>
+            </a:stretch>
+          </p:blipFill>
+          <p:spPr>
+            <a:xfrm>
+              <a:off x="7380242" y="658306"/>
+              <a:ext cx="1830484" cy="468604"/>
+            </a:xfrm>
+            <a:prstGeom prst="rect">
+              <a:avLst/>
+            </a:prstGeom>
+          </p:spPr>
+        </p:pic>
+        <p:pic>
+          <p:nvPicPr>
+            <p:cNvPr id="22" name="Picture 21"/>
+            <p:cNvPicPr>
+              <a:picLocks noChangeAspect="1"/>
+            </p:cNvPicPr>
+            <p:nvPr/>
+          </p:nvPicPr>
+          <p:blipFill>
+            <a:blip r:embed="rId6">
+              <a:extLst>
+                <a:ext uri="{28A0092B-C50C-407E-A947-70E740481C1C}">
+                  <a14:useLocalDpi xmlns:a14="http://schemas.microsoft.com/office/drawing/2010/main" val="0"/>
+                </a:ext>
+              </a:extLst>
+            </a:blip>
+            <a:stretch>
+              <a:fillRect/>
+            </a:stretch>
+          </p:blipFill>
+          <p:spPr>
+            <a:xfrm>
+              <a:off x="6822755" y="1129631"/>
+              <a:ext cx="1692166" cy="676866"/>
+            </a:xfrm>
+            <a:prstGeom prst="rect">
+              <a:avLst/>
+            </a:prstGeom>
+          </p:spPr>
+        </p:pic>
+        <p:pic>
+          <p:nvPicPr>
+            <p:cNvPr id="23" name="Picture 22"/>
+            <p:cNvPicPr>
+              <a:picLocks noChangeAspect="1"/>
+            </p:cNvPicPr>
+            <p:nvPr/>
+          </p:nvPicPr>
+          <p:blipFill>
+            <a:blip r:embed="rId7">
+              <a:extLst>
+                <a:ext uri="{28A0092B-C50C-407E-A947-70E740481C1C}">
+                  <a14:useLocalDpi xmlns:a14="http://schemas.microsoft.com/office/drawing/2010/main" val="0"/>
+                </a:ext>
+              </a:extLst>
+            </a:blip>
+            <a:stretch>
+              <a:fillRect/>
+            </a:stretch>
+          </p:blipFill>
+          <p:spPr>
+            <a:xfrm>
+              <a:off x="8295484" y="1126910"/>
+              <a:ext cx="1134679" cy="426891"/>
+            </a:xfrm>
+            <a:prstGeom prst="rect">
+              <a:avLst/>
+            </a:prstGeom>
+          </p:spPr>
+        </p:pic>
+      </p:grpSp>
+      <p:grpSp>
+        <p:nvGrpSpPr>
+          <p:cNvPr id="49" name="Group 48"/>
+          <p:cNvGrpSpPr/>
+          <p:nvPr/>
+        </p:nvGrpSpPr>
+        <p:grpSpPr>
+          <a:xfrm>
+            <a:off x="4318215" y="357350"/>
+            <a:ext cx="1284036" cy="1308542"/>
+            <a:chOff x="3179860" y="3755879"/>
+            <a:chExt cx="1284036" cy="1308542"/>
+          </a:xfrm>
+        </p:grpSpPr>
+        <p:pic>
+          <p:nvPicPr>
+            <p:cNvPr id="24" name="Picture 23"/>
+            <p:cNvPicPr>
+              <a:picLocks noChangeAspect="1"/>
+            </p:cNvPicPr>
+            <p:nvPr/>
+          </p:nvPicPr>
+          <p:blipFill>
+            <a:blip r:embed="rId8">
+              <a:extLst>
+                <a:ext uri="{28A0092B-C50C-407E-A947-70E740481C1C}">
+                  <a14:useLocalDpi xmlns:a14="http://schemas.microsoft.com/office/drawing/2010/main" val="0"/>
+                </a:ext>
+              </a:extLst>
+            </a:blip>
+            <a:stretch>
+              <a:fillRect/>
+            </a:stretch>
+          </p:blipFill>
+          <p:spPr>
+            <a:xfrm>
+              <a:off x="3814307" y="4407524"/>
+              <a:ext cx="649589" cy="656897"/>
+            </a:xfrm>
+            <a:prstGeom prst="rect">
+              <a:avLst/>
+            </a:prstGeom>
+          </p:spPr>
+        </p:pic>
+        <p:pic>
+          <p:nvPicPr>
+            <p:cNvPr id="25" name="Picture 24"/>
+            <p:cNvPicPr>
+              <a:picLocks noChangeAspect="1"/>
+            </p:cNvPicPr>
+            <p:nvPr/>
+          </p:nvPicPr>
+          <p:blipFill>
+            <a:blip r:embed="rId9">
+              <a:extLst>
+                <a:ext uri="{28A0092B-C50C-407E-A947-70E740481C1C}">
+                  <a14:useLocalDpi xmlns:a14="http://schemas.microsoft.com/office/drawing/2010/main" val="0"/>
+                </a:ext>
+              </a:extLst>
+            </a:blip>
+            <a:stretch>
+              <a:fillRect/>
+            </a:stretch>
+          </p:blipFill>
+          <p:spPr>
+            <a:xfrm>
+              <a:off x="3179860" y="4225098"/>
+              <a:ext cx="581217" cy="802370"/>
+            </a:xfrm>
+            <a:prstGeom prst="rect">
+              <a:avLst/>
+            </a:prstGeom>
+          </p:spPr>
+        </p:pic>
+        <p:pic>
+          <p:nvPicPr>
+            <p:cNvPr id="26" name="Picture 25"/>
+            <p:cNvPicPr>
+              <a:picLocks noChangeAspect="1"/>
+            </p:cNvPicPr>
+            <p:nvPr/>
+          </p:nvPicPr>
+          <p:blipFill>
+            <a:blip r:embed="rId10">
+              <a:extLst>
+                <a:ext uri="{28A0092B-C50C-407E-A947-70E740481C1C}">
+                  <a14:useLocalDpi xmlns:a14="http://schemas.microsoft.com/office/drawing/2010/main" val="0"/>
+                </a:ext>
+              </a:extLst>
+            </a:blip>
+            <a:stretch>
+              <a:fillRect/>
+            </a:stretch>
+          </p:blipFill>
+          <p:spPr>
+            <a:xfrm>
+              <a:off x="3712349" y="3755879"/>
+              <a:ext cx="616478" cy="611555"/>
+            </a:xfrm>
+            <a:prstGeom prst="rect">
+              <a:avLst/>
+            </a:prstGeom>
+          </p:spPr>
+        </p:pic>
+      </p:grpSp>
+      <p:cxnSp>
+        <p:nvCxnSpPr>
+          <p:cNvPr id="28" name="Straight Arrow Connector 27"/>
+          <p:cNvCxnSpPr/>
+          <p:nvPr/>
+        </p:nvCxnSpPr>
+        <p:spPr>
+          <a:xfrm>
+            <a:off x="3009778" y="2823341"/>
+            <a:ext cx="695995" cy="61748"/>
+          </a:xfrm>
+          <a:prstGeom prst="straightConnector1">
+            <a:avLst/>
+          </a:prstGeom>
+          <a:ln w="28575">
+            <a:solidFill>
+              <a:schemeClr val="tx1">
+                <a:lumMod val="95000"/>
+                <a:lumOff val="5000"/>
+              </a:schemeClr>
+            </a:solidFill>
+            <a:headEnd type="triangle" w="med" len="med"/>
+            <a:tailEnd type="triangle" w="med" len="med"/>
+          </a:ln>
+        </p:spPr>
+        <p:style>
+          <a:lnRef idx="1">
+            <a:schemeClr val="accent1"/>
+          </a:lnRef>
+          <a:fillRef idx="0">
+            <a:schemeClr val="accent1"/>
+          </a:fillRef>
+          <a:effectRef idx="0">
+            <a:schemeClr val="accent1"/>
+          </a:effectRef>
+          <a:fontRef idx="minor">
+            <a:schemeClr val="tx1"/>
+          </a:fontRef>
+        </p:style>
+      </p:cxnSp>
+      <p:cxnSp>
+        <p:nvCxnSpPr>
+          <p:cNvPr id="39" name="Straight Arrow Connector 38"/>
+          <p:cNvCxnSpPr/>
+          <p:nvPr/>
+        </p:nvCxnSpPr>
+        <p:spPr>
+          <a:xfrm>
+            <a:off x="4850705" y="1788102"/>
+            <a:ext cx="143997" cy="495748"/>
+          </a:xfrm>
+          <a:prstGeom prst="straightConnector1">
+            <a:avLst/>
+          </a:prstGeom>
+          <a:ln w="28575">
+            <a:solidFill>
+              <a:schemeClr val="tx1">
+                <a:lumMod val="95000"/>
+                <a:lumOff val="5000"/>
+              </a:schemeClr>
+            </a:solidFill>
+            <a:headEnd type="triangle" w="med" len="med"/>
+            <a:tailEnd type="triangle" w="med" len="med"/>
+          </a:ln>
+        </p:spPr>
+        <p:style>
+          <a:lnRef idx="1">
+            <a:schemeClr val="accent1"/>
+          </a:lnRef>
+          <a:fillRef idx="0">
+            <a:schemeClr val="accent1"/>
+          </a:fillRef>
+          <a:effectRef idx="0">
+            <a:schemeClr val="accent1"/>
+          </a:effectRef>
+          <a:fontRef idx="minor">
+            <a:schemeClr val="tx1"/>
+          </a:fontRef>
+        </p:style>
+      </p:cxnSp>
+      <p:cxnSp>
+        <p:nvCxnSpPr>
+          <p:cNvPr id="42" name="Straight Arrow Connector 41"/>
+          <p:cNvCxnSpPr>
+            <a:endCxn id="22" idx="2"/>
+          </p:cNvCxnSpPr>
+          <p:nvPr/>
+        </p:nvCxnSpPr>
+        <p:spPr>
+          <a:xfrm flipV="1">
+            <a:off x="7238088" y="1806497"/>
+            <a:ext cx="430750" cy="571856"/>
+          </a:xfrm>
+          <a:prstGeom prst="straightConnector1">
+            <a:avLst/>
+          </a:prstGeom>
+          <a:ln w="28575">
+            <a:solidFill>
+              <a:schemeClr val="tx1">
+                <a:lumMod val="95000"/>
+                <a:lumOff val="5000"/>
+              </a:schemeClr>
+            </a:solidFill>
+            <a:headEnd type="triangle" w="med" len="med"/>
+            <a:tailEnd type="triangle" w="med" len="med"/>
+          </a:ln>
+        </p:spPr>
+        <p:style>
+          <a:lnRef idx="1">
+            <a:schemeClr val="accent1"/>
+          </a:lnRef>
+          <a:fillRef idx="0">
+            <a:schemeClr val="accent1"/>
+          </a:fillRef>
+          <a:effectRef idx="0">
+            <a:schemeClr val="accent1"/>
+          </a:effectRef>
+          <a:fontRef idx="minor">
+            <a:schemeClr val="tx1"/>
+          </a:fontRef>
+        </p:style>
+      </p:cxnSp>
+      <p:sp>
+        <p:nvSpPr>
+          <p:cNvPr id="58" name="TextBox 57"/>
+          <p:cNvSpPr txBox="1"/>
+          <p:nvPr/>
+        </p:nvSpPr>
+        <p:spPr>
+          <a:xfrm>
+            <a:off x="5139366" y="3029129"/>
+            <a:ext cx="1672253" cy="369332"/>
+          </a:xfrm>
+          <a:prstGeom prst="rect">
+            <a:avLst/>
+          </a:prstGeom>
+          <a:noFill/>
+        </p:spPr>
+        <p:txBody>
+          <a:bodyPr wrap="none" rtlCol="0">
+            <a:spAutoFit/>
+          </a:bodyPr>
+          <a:lstStyle/>
+          <a:p>
+            <a:r>
+              <a:rPr lang="en-US" b="1" smtClean="0">
+                <a:latin typeface="Verdana" charset="0"/>
+                <a:ea typeface="Verdana" charset="0"/>
+                <a:cs typeface="Verdana" charset="0"/>
+              </a:rPr>
+              <a:t>Black Swan</a:t>
+            </a:r>
+            <a:endParaRPr lang="en-US" b="1" dirty="0">
+              <a:latin typeface="Verdana" charset="0"/>
+              <a:ea typeface="Verdana" charset="0"/>
+              <a:cs typeface="Verdana" charset="0"/>
+            </a:endParaRPr>
+          </a:p>
+        </p:txBody>
+      </p:sp>
+      <p:cxnSp>
+        <p:nvCxnSpPr>
+          <p:cNvPr id="59" name="Straight Arrow Connector 58"/>
+          <p:cNvCxnSpPr/>
+          <p:nvPr/>
+        </p:nvCxnSpPr>
+        <p:spPr>
+          <a:xfrm flipV="1">
+            <a:off x="8170444" y="2916620"/>
+            <a:ext cx="815901" cy="33589"/>
+          </a:xfrm>
+          <a:prstGeom prst="straightConnector1">
+            <a:avLst/>
+          </a:prstGeom>
+          <a:ln w="28575">
+            <a:solidFill>
+              <a:schemeClr val="tx1">
+                <a:lumMod val="95000"/>
+                <a:lumOff val="5000"/>
+              </a:schemeClr>
+            </a:solidFill>
+            <a:headEnd type="triangle" w="med" len="med"/>
+            <a:tailEnd type="triangle" w="med" len="med"/>
+          </a:ln>
+        </p:spPr>
+        <p:style>
+          <a:lnRef idx="1">
+            <a:schemeClr val="accent1"/>
+          </a:lnRef>
+          <a:fillRef idx="0">
+            <a:schemeClr val="accent1"/>
+          </a:fillRef>
+          <a:effectRef idx="0">
+            <a:schemeClr val="accent1"/>
+          </a:effectRef>
+          <a:fontRef idx="minor">
+            <a:schemeClr val="tx1"/>
+          </a:fontRef>
+        </p:style>
+      </p:cxnSp>
+      <p:pic>
+        <p:nvPicPr>
+          <p:cNvPr id="62" name="Picture 61"/>
+          <p:cNvPicPr>
+            <a:picLocks noChangeAspect="1"/>
+          </p:cNvPicPr>
+          <p:nvPr/>
+        </p:nvPicPr>
+        <p:blipFill>
+          <a:blip r:embed="rId11">
+            <a:extLst>
+              <a:ext uri="{28A0092B-C50C-407E-A947-70E740481C1C}">
+                <a14:useLocalDpi xmlns:a14="http://schemas.microsoft.com/office/drawing/2010/main" val="0"/>
+              </a:ext>
+            </a:extLst>
+          </a:blip>
+          <a:stretch>
+            <a:fillRect/>
+          </a:stretch>
+        </p:blipFill>
+        <p:spPr>
+          <a:xfrm>
+            <a:off x="9158940" y="2823341"/>
+            <a:ext cx="1014984" cy="1014984"/>
+          </a:xfrm>
+          <a:prstGeom prst="rect">
+            <a:avLst/>
+          </a:prstGeom>
+        </p:spPr>
+      </p:pic>
+      <p:pic>
+        <p:nvPicPr>
+          <p:cNvPr id="63" name="Picture 62"/>
+          <p:cNvPicPr>
+            <a:picLocks noChangeAspect="1"/>
+          </p:cNvPicPr>
+          <p:nvPr/>
+        </p:nvPicPr>
+        <p:blipFill>
+          <a:blip r:embed="rId12">
+            <a:extLst>
+              <a:ext uri="{28A0092B-C50C-407E-A947-70E740481C1C}">
+                <a14:useLocalDpi xmlns:a14="http://schemas.microsoft.com/office/drawing/2010/main" val="0"/>
+              </a:ext>
+            </a:extLst>
+          </a:blip>
+          <a:stretch>
+            <a:fillRect/>
+          </a:stretch>
+        </p:blipFill>
+        <p:spPr>
+          <a:xfrm>
+            <a:off x="9775355" y="2231631"/>
+            <a:ext cx="1060704" cy="1060704"/>
+          </a:xfrm>
+          <a:prstGeom prst="rect">
+            <a:avLst/>
+          </a:prstGeom>
+        </p:spPr>
+      </p:pic>
+      <p:pic>
+        <p:nvPicPr>
+          <p:cNvPr id="64" name="Picture 63"/>
+          <p:cNvPicPr>
+            <a:picLocks noChangeAspect="1"/>
+          </p:cNvPicPr>
+          <p:nvPr/>
+        </p:nvPicPr>
+        <p:blipFill>
+          <a:blip r:embed="rId13">
+            <a:extLst>
+              <a:ext uri="{28A0092B-C50C-407E-A947-70E740481C1C}">
+                <a14:useLocalDpi xmlns:a14="http://schemas.microsoft.com/office/drawing/2010/main" val="0"/>
+              </a:ext>
+            </a:extLst>
+          </a:blip>
+          <a:stretch>
+            <a:fillRect/>
+          </a:stretch>
+        </p:blipFill>
+        <p:spPr>
+          <a:xfrm>
+            <a:off x="9095268" y="2092425"/>
+            <a:ext cx="846361" cy="846361"/>
+          </a:xfrm>
+          <a:prstGeom prst="rect">
+            <a:avLst/>
+          </a:prstGeom>
+        </p:spPr>
+      </p:pic>
+    </p:spTree>
+    <p:extLst>
+      <p:ext uri="{BB962C8B-B14F-4D97-AF65-F5344CB8AC3E}">
+        <p14:creationId xmlns:p14="http://schemas.microsoft.com/office/powerpoint/2010/main" val="974582535"/>
+      </p:ext>
+    </p:extLst>
+  </p:cSld>
+  <p:clrMapOvr>
+    <a:masterClrMapping/>
+  </p:clrMapOvr>
+</p:sld>
+</file>
+
+<file path=ppt/slides/slide3.xml><?xml version="1.0" encoding="utf-8"?>
+<p:sld xmlns:a="http://schemas.openxmlformats.org/drawingml/2006/main" xmlns:r="http://schemas.openxmlformats.org/officeDocument/2006/relationships" xmlns:p="http://schemas.openxmlformats.org/presentationml/2006/main">
+  <p:cSld>
+    <p:spTree>
+      <p:nvGrpSpPr>
+        <p:cNvPr id="1" name=""/>
+        <p:cNvGrpSpPr/>
+        <p:nvPr/>
+      </p:nvGrpSpPr>
+      <p:grpSpPr>
+        <a:xfrm>
+          <a:off x="0" y="0"/>
+          <a:ext cx="0" cy="0"/>
+          <a:chOff x="0" y="0"/>
+          <a:chExt cx="0" cy="0"/>
+        </a:xfrm>
+      </p:grpSpPr>
+      <p:sp>
+        <p:nvSpPr>
+          <p:cNvPr id="6" name="Rectangle 5"/>
+          <p:cNvSpPr/>
+          <p:nvPr/>
+        </p:nvSpPr>
+        <p:spPr>
+          <a:xfrm>
+            <a:off x="504497" y="1534509"/>
+            <a:ext cx="3920358" cy="3342290"/>
+          </a:xfrm>
+          <a:prstGeom prst="rect">
+            <a:avLst/>
+          </a:prstGeom>
+          <a:noFill/>
+          <a:ln w="19050">
+            <a:solidFill>
+              <a:schemeClr val="tx1"/>
+            </a:solidFill>
+          </a:ln>
+        </p:spPr>
+        <p:style>
+          <a:lnRef idx="2">
+            <a:schemeClr val="accent1">
+              <a:shade val="50000"/>
+            </a:schemeClr>
+          </a:lnRef>
+          <a:fillRef idx="1">
+            <a:schemeClr val="accent1"/>
+          </a:fillRef>
+          <a:effectRef idx="0">
+            <a:schemeClr val="accent1"/>
+          </a:effectRef>
+          <a:fontRef idx="minor">
+            <a:schemeClr val="lt1"/>
+          </a:fontRef>
+        </p:style>
+        <p:txBody>
+          <a:bodyPr rtlCol="0" anchor="ctr"/>
+          <a:lstStyle/>
+          <a:p>
+            <a:pPr algn="ctr"/>
+            <a:endParaRPr lang="en-US"/>
+          </a:p>
+        </p:txBody>
+      </p:sp>
+      <p:cxnSp>
+        <p:nvCxnSpPr>
+          <p:cNvPr id="8" name="Straight Connector 7"/>
+          <p:cNvCxnSpPr/>
+          <p:nvPr/>
+        </p:nvCxnSpPr>
+        <p:spPr>
+          <a:xfrm flipV="1">
+            <a:off x="504497" y="2017983"/>
+            <a:ext cx="3930869" cy="10511"/>
+          </a:xfrm>
+          <a:prstGeom prst="line">
+            <a:avLst/>
+          </a:prstGeom>
+          <a:ln>
+            <a:solidFill>
+              <a:schemeClr val="tx1"/>
+            </a:solidFill>
+          </a:ln>
+        </p:spPr>
+        <p:style>
+          <a:lnRef idx="1">
+            <a:schemeClr val="accent1"/>
+          </a:lnRef>
+          <a:fillRef idx="0">
+            <a:schemeClr val="accent1"/>
+          </a:fillRef>
+          <a:effectRef idx="0">
+            <a:schemeClr val="accent1"/>
+          </a:effectRef>
+          <a:fontRef idx="minor">
+            <a:schemeClr val="tx1"/>
+          </a:fontRef>
+        </p:style>
+      </p:cxnSp>
+      <p:cxnSp>
+        <p:nvCxnSpPr>
+          <p:cNvPr id="10" name="Straight Connector 9"/>
+          <p:cNvCxnSpPr/>
+          <p:nvPr/>
+        </p:nvCxnSpPr>
+        <p:spPr>
+          <a:xfrm>
+            <a:off x="515008" y="4370836"/>
+            <a:ext cx="3896066" cy="3726"/>
+          </a:xfrm>
+          <a:prstGeom prst="line">
+            <a:avLst/>
+          </a:prstGeom>
+          <a:ln>
+            <a:solidFill>
+              <a:schemeClr val="tx1"/>
+            </a:solidFill>
+          </a:ln>
+        </p:spPr>
+        <p:style>
+          <a:lnRef idx="1">
+            <a:schemeClr val="accent1"/>
+          </a:lnRef>
+          <a:fillRef idx="0">
+            <a:schemeClr val="accent1"/>
+          </a:fillRef>
+          <a:effectRef idx="0">
+            <a:schemeClr val="accent1"/>
+          </a:effectRef>
+          <a:fontRef idx="minor">
+            <a:schemeClr val="tx1"/>
+          </a:fontRef>
+        </p:style>
+      </p:cxnSp>
+      <p:sp>
+        <p:nvSpPr>
+          <p:cNvPr id="11" name="Oval 10"/>
+          <p:cNvSpPr/>
+          <p:nvPr/>
+        </p:nvSpPr>
+        <p:spPr>
+          <a:xfrm>
+            <a:off x="4030719" y="1629100"/>
+            <a:ext cx="262759" cy="273269"/>
+          </a:xfrm>
+          <a:prstGeom prst="ellipse">
+            <a:avLst/>
+          </a:prstGeom>
+          <a:noFill/>
+          <a:ln w="12700">
+            <a:solidFill>
+              <a:schemeClr val="tx1"/>
+            </a:solidFill>
+          </a:ln>
+        </p:spPr>
+        <p:style>
+          <a:lnRef idx="2">
+            <a:schemeClr val="accent1">
+              <a:shade val="50000"/>
+            </a:schemeClr>
+          </a:lnRef>
+          <a:fillRef idx="1">
+            <a:schemeClr val="accent1"/>
+          </a:fillRef>
+          <a:effectRef idx="0">
+            <a:schemeClr val="accent1"/>
+          </a:effectRef>
+          <a:fontRef idx="minor">
+            <a:schemeClr val="lt1"/>
+          </a:fontRef>
+        </p:style>
+        <p:txBody>
+          <a:bodyPr rtlCol="0" anchor="ctr"/>
+          <a:lstStyle/>
+          <a:p>
+            <a:pPr algn="ctr"/>
+            <a:r>
+              <a:rPr lang="en-US" sz="2400" dirty="0" smtClean="0">
+                <a:solidFill>
+                  <a:schemeClr val="tx1"/>
+                </a:solidFill>
+              </a:rPr>
+              <a:t>+</a:t>
+            </a:r>
+            <a:endParaRPr lang="en-US" dirty="0">
+              <a:solidFill>
+                <a:schemeClr val="tx1"/>
+              </a:solidFill>
+            </a:endParaRPr>
+          </a:p>
+        </p:txBody>
+      </p:sp>
+      <p:sp>
+        <p:nvSpPr>
+          <p:cNvPr id="12" name="Rectangle 11"/>
+          <p:cNvSpPr/>
+          <p:nvPr/>
+        </p:nvSpPr>
+        <p:spPr>
+          <a:xfrm>
+            <a:off x="515008" y="675289"/>
+            <a:ext cx="3920358" cy="341586"/>
+          </a:xfrm>
+          <a:prstGeom prst="rect">
+            <a:avLst/>
+          </a:prstGeom>
+          <a:noFill/>
+          <a:ln w="19050">
+            <a:solidFill>
+              <a:schemeClr val="tx1"/>
+            </a:solidFill>
+          </a:ln>
+        </p:spPr>
+        <p:style>
+          <a:lnRef idx="2">
+            <a:schemeClr val="accent1">
+              <a:shade val="50000"/>
+            </a:schemeClr>
+          </a:lnRef>
+          <a:fillRef idx="1">
+            <a:schemeClr val="accent1"/>
+          </a:fillRef>
+          <a:effectRef idx="0">
+            <a:schemeClr val="accent1"/>
+          </a:effectRef>
+          <a:fontRef idx="minor">
+            <a:schemeClr val="lt1"/>
+          </a:fontRef>
+        </p:style>
+        <p:txBody>
+          <a:bodyPr rtlCol="0" anchor="ctr"/>
+          <a:lstStyle/>
+          <a:p>
+            <a:pPr algn="ctr"/>
+            <a:endParaRPr lang="en-US"/>
+          </a:p>
+        </p:txBody>
+      </p:sp>
+      <p:sp>
+        <p:nvSpPr>
+          <p:cNvPr id="13" name="Oval 12"/>
+          <p:cNvSpPr/>
+          <p:nvPr/>
+        </p:nvSpPr>
+        <p:spPr>
+          <a:xfrm>
+            <a:off x="4030719" y="4451116"/>
+            <a:ext cx="262759" cy="273269"/>
+          </a:xfrm>
+          <a:prstGeom prst="ellipse">
+            <a:avLst/>
+          </a:prstGeom>
+          <a:noFill/>
+          <a:ln w="12700">
+            <a:solidFill>
+              <a:schemeClr val="tx1"/>
+            </a:solidFill>
+          </a:ln>
+        </p:spPr>
+        <p:style>
+          <a:lnRef idx="2">
+            <a:schemeClr val="accent1">
+              <a:shade val="50000"/>
+            </a:schemeClr>
+          </a:lnRef>
+          <a:fillRef idx="1">
+            <a:schemeClr val="accent1"/>
+          </a:fillRef>
+          <a:effectRef idx="0">
+            <a:schemeClr val="accent1"/>
+          </a:effectRef>
+          <a:fontRef idx="minor">
+            <a:schemeClr val="lt1"/>
+          </a:fontRef>
+        </p:style>
+        <p:txBody>
+          <a:bodyPr rtlCol="0" anchor="ctr"/>
+          <a:lstStyle/>
+          <a:p>
+            <a:pPr algn="ctr"/>
+            <a:r>
+              <a:rPr lang="en-US" sz="2400" dirty="0" smtClean="0">
+                <a:solidFill>
+                  <a:schemeClr val="tx1"/>
+                </a:solidFill>
+              </a:rPr>
+              <a:t>+</a:t>
+            </a:r>
+            <a:endParaRPr lang="en-US" dirty="0">
+              <a:solidFill>
+                <a:schemeClr val="tx1"/>
+              </a:solidFill>
+            </a:endParaRPr>
+          </a:p>
+        </p:txBody>
+      </p:sp>
+      <p:sp>
+        <p:nvSpPr>
+          <p:cNvPr id="14" name="Oval 13"/>
+          <p:cNvSpPr/>
+          <p:nvPr/>
+        </p:nvSpPr>
+        <p:spPr>
+          <a:xfrm>
+            <a:off x="4030719" y="2060029"/>
+            <a:ext cx="262759" cy="273269"/>
+          </a:xfrm>
+          <a:prstGeom prst="ellipse">
+            <a:avLst/>
+          </a:prstGeom>
+          <a:noFill/>
+          <a:ln w="12700">
+            <a:solidFill>
+              <a:schemeClr val="tx1"/>
+            </a:solidFill>
+          </a:ln>
+        </p:spPr>
+        <p:style>
+          <a:lnRef idx="2">
+            <a:schemeClr val="accent1">
+              <a:shade val="50000"/>
+            </a:schemeClr>
+          </a:lnRef>
+          <a:fillRef idx="1">
+            <a:schemeClr val="accent1"/>
+          </a:fillRef>
+          <a:effectRef idx="0">
+            <a:schemeClr val="accent1"/>
+          </a:effectRef>
+          <a:fontRef idx="minor">
+            <a:schemeClr val="lt1"/>
+          </a:fontRef>
+        </p:style>
+        <p:txBody>
+          <a:bodyPr rtlCol="0" anchor="ctr"/>
+          <a:lstStyle/>
+          <a:p>
+            <a:pPr algn="ctr"/>
+            <a:r>
+              <a:rPr lang="en-US" sz="3200" dirty="0">
+                <a:solidFill>
+                  <a:schemeClr val="tx1"/>
+                </a:solidFill>
+              </a:rPr>
+              <a:t>-</a:t>
+            </a:r>
+            <a:endParaRPr lang="en-US" dirty="0">
+              <a:solidFill>
+                <a:schemeClr val="tx1"/>
+              </a:solidFill>
+            </a:endParaRPr>
+          </a:p>
+        </p:txBody>
+      </p:sp>
+      <p:sp>
+        <p:nvSpPr>
+          <p:cNvPr id="16" name="Rectangle 15"/>
+          <p:cNvSpPr/>
+          <p:nvPr/>
+        </p:nvSpPr>
+        <p:spPr>
+          <a:xfrm>
+            <a:off x="4834759" y="662153"/>
+            <a:ext cx="6758151" cy="4214646"/>
+          </a:xfrm>
+          <a:prstGeom prst="rect">
+            <a:avLst/>
+          </a:prstGeom>
+          <a:noFill/>
+          <a:ln w="19050">
+            <a:solidFill>
+              <a:schemeClr val="tx1"/>
+            </a:solidFill>
+          </a:ln>
+        </p:spPr>
+        <p:style>
+          <a:lnRef idx="2">
+            <a:schemeClr val="accent1">
+              <a:shade val="50000"/>
+            </a:schemeClr>
+          </a:lnRef>
+          <a:fillRef idx="1">
+            <a:schemeClr val="accent1"/>
+          </a:fillRef>
+          <a:effectRef idx="0">
+            <a:schemeClr val="accent1"/>
+          </a:effectRef>
+          <a:fontRef idx="minor">
+            <a:schemeClr val="lt1"/>
+          </a:fontRef>
+        </p:style>
+        <p:txBody>
+          <a:bodyPr rtlCol="0" anchor="ctr"/>
+          <a:lstStyle/>
+          <a:p>
+            <a:pPr algn="ctr"/>
+            <a:endParaRPr lang="en-US" dirty="0"/>
+          </a:p>
+        </p:txBody>
+      </p:sp>
+      <p:sp>
+        <p:nvSpPr>
+          <p:cNvPr id="17" name="TextBox 16"/>
+          <p:cNvSpPr txBox="1"/>
+          <p:nvPr/>
+        </p:nvSpPr>
+        <p:spPr>
+          <a:xfrm>
+            <a:off x="446691" y="283772"/>
+            <a:ext cx="1165704" cy="369332"/>
+          </a:xfrm>
+          <a:prstGeom prst="rect">
+            <a:avLst/>
+          </a:prstGeom>
+          <a:noFill/>
+        </p:spPr>
+        <p:txBody>
+          <a:bodyPr wrap="none" rtlCol="0">
+            <a:spAutoFit/>
+          </a:bodyPr>
+          <a:lstStyle/>
+          <a:p>
+            <a:r>
+              <a:rPr lang="en-US" b="1" dirty="0" smtClean="0">
+                <a:latin typeface="Verdana" charset="0"/>
+                <a:ea typeface="Verdana" charset="0"/>
+                <a:cs typeface="Verdana" charset="0"/>
+              </a:rPr>
+              <a:t>Search:</a:t>
+            </a:r>
+            <a:endParaRPr lang="en-US" b="1" dirty="0">
+              <a:latin typeface="Verdana" charset="0"/>
+              <a:ea typeface="Verdana" charset="0"/>
+              <a:cs typeface="Verdana" charset="0"/>
+            </a:endParaRPr>
+          </a:p>
+        </p:txBody>
+      </p:sp>
+      <p:sp>
+        <p:nvSpPr>
+          <p:cNvPr id="18" name="TextBox 17"/>
+          <p:cNvSpPr txBox="1"/>
+          <p:nvPr/>
+        </p:nvSpPr>
+        <p:spPr>
+          <a:xfrm>
+            <a:off x="620110" y="647543"/>
+            <a:ext cx="821059" cy="369332"/>
+          </a:xfrm>
+          <a:prstGeom prst="rect">
+            <a:avLst/>
+          </a:prstGeom>
+          <a:noFill/>
+        </p:spPr>
+        <p:txBody>
+          <a:bodyPr wrap="none" rtlCol="0">
+            <a:spAutoFit/>
+          </a:bodyPr>
+          <a:lstStyle/>
+          <a:p>
+            <a:r>
+              <a:rPr lang="en-US" dirty="0" smtClean="0">
+                <a:latin typeface="Verdana" charset="0"/>
+                <a:ea typeface="Verdana" charset="0"/>
+                <a:cs typeface="Verdana" charset="0"/>
+              </a:rPr>
+              <a:t>spark</a:t>
+            </a:r>
+            <a:endParaRPr lang="en-US" dirty="0">
+              <a:latin typeface="Verdana" charset="0"/>
+              <a:ea typeface="Verdana" charset="0"/>
+              <a:cs typeface="Verdana" charset="0"/>
+            </a:endParaRPr>
+          </a:p>
+        </p:txBody>
+      </p:sp>
+      <p:sp>
+        <p:nvSpPr>
+          <p:cNvPr id="19" name="TextBox 18"/>
+          <p:cNvSpPr txBox="1"/>
+          <p:nvPr/>
+        </p:nvSpPr>
+        <p:spPr>
+          <a:xfrm>
+            <a:off x="504497" y="4418864"/>
+            <a:ext cx="1415900" cy="369332"/>
+          </a:xfrm>
+          <a:prstGeom prst="rect">
+            <a:avLst/>
+          </a:prstGeom>
+          <a:noFill/>
+        </p:spPr>
+        <p:txBody>
+          <a:bodyPr wrap="none" rtlCol="0">
+            <a:spAutoFit/>
+          </a:bodyPr>
+          <a:lstStyle/>
+          <a:p>
+            <a:r>
+              <a:rPr lang="en-US" dirty="0" smtClean="0">
+                <a:latin typeface="Verdana" charset="0"/>
+                <a:ea typeface="Verdana" charset="0"/>
+                <a:cs typeface="Verdana" charset="0"/>
+              </a:rPr>
+              <a:t>spark-</a:t>
+            </a:r>
+            <a:r>
+              <a:rPr lang="en-US" dirty="0" err="1" smtClean="0">
+                <a:latin typeface="Verdana" charset="0"/>
+                <a:ea typeface="Verdana" charset="0"/>
+                <a:cs typeface="Verdana" charset="0"/>
+              </a:rPr>
+              <a:t>tpch</a:t>
+            </a:r>
+            <a:endParaRPr lang="en-US" dirty="0">
+              <a:latin typeface="Verdana" charset="0"/>
+              <a:ea typeface="Verdana" charset="0"/>
+              <a:cs typeface="Verdana" charset="0"/>
+            </a:endParaRPr>
+          </a:p>
+        </p:txBody>
+      </p:sp>
+      <p:sp>
+        <p:nvSpPr>
+          <p:cNvPr id="20" name="TextBox 19"/>
+          <p:cNvSpPr txBox="1"/>
+          <p:nvPr/>
+        </p:nvSpPr>
+        <p:spPr>
+          <a:xfrm>
+            <a:off x="504497" y="2067483"/>
+            <a:ext cx="2414444" cy="369332"/>
+          </a:xfrm>
+          <a:prstGeom prst="rect">
+            <a:avLst/>
+          </a:prstGeom>
+          <a:noFill/>
+        </p:spPr>
+        <p:txBody>
+          <a:bodyPr wrap="none" rtlCol="0">
+            <a:spAutoFit/>
+          </a:bodyPr>
+          <a:lstStyle/>
+          <a:p>
+            <a:r>
+              <a:rPr lang="en-US" b="1" dirty="0" smtClean="0">
+                <a:latin typeface="Verdana" charset="0"/>
+                <a:ea typeface="Verdana" charset="0"/>
+                <a:cs typeface="Verdana" charset="0"/>
+              </a:rPr>
+              <a:t>spark-</a:t>
+            </a:r>
+            <a:r>
+              <a:rPr lang="en-US" b="1" dirty="0" err="1" smtClean="0">
+                <a:latin typeface="Verdana" charset="0"/>
+                <a:ea typeface="Verdana" charset="0"/>
+                <a:cs typeface="Verdana" charset="0"/>
+              </a:rPr>
+              <a:t>tensorflow</a:t>
+            </a:r>
+            <a:endParaRPr lang="en-US" b="1" dirty="0">
+              <a:latin typeface="Verdana" charset="0"/>
+              <a:ea typeface="Verdana" charset="0"/>
+              <a:cs typeface="Verdana" charset="0"/>
+            </a:endParaRPr>
+          </a:p>
+        </p:txBody>
+      </p:sp>
+      <p:sp>
+        <p:nvSpPr>
+          <p:cNvPr id="21" name="TextBox 20"/>
+          <p:cNvSpPr txBox="1"/>
+          <p:nvPr/>
+        </p:nvSpPr>
+        <p:spPr>
+          <a:xfrm>
+            <a:off x="504497" y="1570557"/>
+            <a:ext cx="1394356" cy="369332"/>
+          </a:xfrm>
+          <a:prstGeom prst="rect">
+            <a:avLst/>
+          </a:prstGeom>
+          <a:noFill/>
+        </p:spPr>
+        <p:txBody>
+          <a:bodyPr wrap="none" rtlCol="0">
+            <a:spAutoFit/>
+          </a:bodyPr>
+          <a:lstStyle/>
+          <a:p>
+            <a:r>
+              <a:rPr lang="en-US" dirty="0" smtClean="0">
+                <a:latin typeface="Verdana" charset="0"/>
+                <a:ea typeface="Verdana" charset="0"/>
+                <a:cs typeface="Verdana" charset="0"/>
+              </a:rPr>
+              <a:t>spark-</a:t>
+            </a:r>
+            <a:r>
+              <a:rPr lang="en-US" dirty="0" err="1" smtClean="0">
+                <a:latin typeface="Verdana" charset="0"/>
+                <a:ea typeface="Verdana" charset="0"/>
+                <a:cs typeface="Verdana" charset="0"/>
+              </a:rPr>
+              <a:t>crail</a:t>
+            </a:r>
+            <a:endParaRPr lang="en-US" dirty="0">
+              <a:latin typeface="Verdana" charset="0"/>
+              <a:ea typeface="Verdana" charset="0"/>
+              <a:cs typeface="Verdana" charset="0"/>
+            </a:endParaRPr>
+          </a:p>
+        </p:txBody>
+      </p:sp>
+      <p:sp>
+        <p:nvSpPr>
+          <p:cNvPr id="22" name="TextBox 21"/>
+          <p:cNvSpPr txBox="1"/>
+          <p:nvPr/>
+        </p:nvSpPr>
+        <p:spPr>
+          <a:xfrm>
+            <a:off x="446691" y="1091884"/>
+            <a:ext cx="1234633" cy="369332"/>
+          </a:xfrm>
+          <a:prstGeom prst="rect">
+            <a:avLst/>
+          </a:prstGeom>
+          <a:noFill/>
+        </p:spPr>
+        <p:txBody>
+          <a:bodyPr wrap="none" rtlCol="0">
+            <a:spAutoFit/>
+          </a:bodyPr>
+          <a:lstStyle/>
+          <a:p>
+            <a:r>
+              <a:rPr lang="en-US" b="1" dirty="0" smtClean="0">
+                <a:latin typeface="Verdana" charset="0"/>
+                <a:ea typeface="Verdana" charset="0"/>
+                <a:cs typeface="Verdana" charset="0"/>
+              </a:rPr>
+              <a:t>Results:</a:t>
+            </a:r>
+            <a:endParaRPr lang="en-US" b="1" dirty="0">
+              <a:latin typeface="Verdana" charset="0"/>
+              <a:ea typeface="Verdana" charset="0"/>
+              <a:cs typeface="Verdana" charset="0"/>
+            </a:endParaRPr>
+          </a:p>
+        </p:txBody>
+      </p:sp>
+      <p:sp>
+        <p:nvSpPr>
+          <p:cNvPr id="23" name="TextBox 22"/>
+          <p:cNvSpPr txBox="1"/>
+          <p:nvPr/>
+        </p:nvSpPr>
+        <p:spPr>
+          <a:xfrm>
+            <a:off x="4782209" y="283769"/>
+            <a:ext cx="1317990" cy="369332"/>
+          </a:xfrm>
+          <a:prstGeom prst="rect">
+            <a:avLst/>
+          </a:prstGeom>
+          <a:noFill/>
+        </p:spPr>
+        <p:txBody>
+          <a:bodyPr wrap="none" rtlCol="0">
+            <a:spAutoFit/>
+          </a:bodyPr>
+          <a:lstStyle/>
+          <a:p>
+            <a:r>
+              <a:rPr lang="en-US" b="1" dirty="0" smtClean="0">
+                <a:latin typeface="Verdana" charset="0"/>
+                <a:ea typeface="Verdana" charset="0"/>
+                <a:cs typeface="Verdana" charset="0"/>
+              </a:rPr>
+              <a:t>Pipeline:</a:t>
+            </a:r>
+            <a:endParaRPr lang="en-US" b="1" dirty="0">
+              <a:latin typeface="Verdana" charset="0"/>
+              <a:ea typeface="Verdana" charset="0"/>
+              <a:cs typeface="Verdana" charset="0"/>
+            </a:endParaRPr>
+          </a:p>
+        </p:txBody>
+      </p:sp>
+      <p:grpSp>
+        <p:nvGrpSpPr>
+          <p:cNvPr id="24" name="Group 23"/>
+          <p:cNvGrpSpPr/>
+          <p:nvPr/>
+        </p:nvGrpSpPr>
+        <p:grpSpPr>
+          <a:xfrm>
+            <a:off x="6700345" y="1313798"/>
+            <a:ext cx="3205654" cy="357352"/>
+            <a:chOff x="3678621" y="1923393"/>
+            <a:chExt cx="3205654" cy="357352"/>
+          </a:xfrm>
+        </p:grpSpPr>
+        <p:sp>
+          <p:nvSpPr>
+            <p:cNvPr id="25" name="Oval 24"/>
+            <p:cNvSpPr/>
+            <p:nvPr/>
+          </p:nvSpPr>
+          <p:spPr>
+            <a:xfrm>
+              <a:off x="3678621" y="1923393"/>
+              <a:ext cx="357351" cy="357352"/>
+            </a:xfrm>
+            <a:prstGeom prst="ellipse">
+              <a:avLst/>
+            </a:prstGeom>
+            <a:solidFill>
+              <a:schemeClr val="accent2">
+                <a:lumMod val="60000"/>
+                <a:lumOff val="40000"/>
+              </a:schemeClr>
+            </a:solidFill>
+            <a:ln w="38100">
+              <a:solidFill>
+                <a:schemeClr val="tx1"/>
+              </a:solidFill>
+            </a:ln>
+          </p:spPr>
+          <p:style>
+            <a:lnRef idx="2">
+              <a:schemeClr val="accent1">
+                <a:shade val="50000"/>
+              </a:schemeClr>
+            </a:lnRef>
+            <a:fillRef idx="1">
+              <a:schemeClr val="accent1"/>
+            </a:fillRef>
+            <a:effectRef idx="0">
+              <a:schemeClr val="accent1"/>
+            </a:effectRef>
+            <a:fontRef idx="minor">
+              <a:schemeClr val="lt1"/>
+            </a:fontRef>
+          </p:style>
+          <p:txBody>
+            <a:bodyPr rtlCol="0" anchor="ctr"/>
+            <a:lstStyle/>
+            <a:p>
+              <a:pPr algn="ctr"/>
+              <a:endParaRPr lang="en-US"/>
+            </a:p>
+          </p:txBody>
+        </p:sp>
+        <p:sp>
+          <p:nvSpPr>
+            <p:cNvPr id="26" name="Oval 25"/>
+            <p:cNvSpPr/>
+            <p:nvPr/>
+          </p:nvSpPr>
+          <p:spPr>
+            <a:xfrm>
+              <a:off x="5102773" y="1923393"/>
+              <a:ext cx="357351" cy="357352"/>
+            </a:xfrm>
+            <a:prstGeom prst="ellipse">
+              <a:avLst/>
+            </a:prstGeom>
+            <a:noFill/>
+            <a:ln w="38100">
+              <a:solidFill>
+                <a:schemeClr val="tx1"/>
+              </a:solidFill>
+            </a:ln>
+          </p:spPr>
+          <p:style>
+            <a:lnRef idx="2">
+              <a:schemeClr val="accent1">
+                <a:shade val="50000"/>
+              </a:schemeClr>
+            </a:lnRef>
+            <a:fillRef idx="1">
+              <a:schemeClr val="accent1"/>
+            </a:fillRef>
+            <a:effectRef idx="0">
+              <a:schemeClr val="accent1"/>
+            </a:effectRef>
+            <a:fontRef idx="minor">
+              <a:schemeClr val="lt1"/>
+            </a:fontRef>
+          </p:style>
+          <p:txBody>
+            <a:bodyPr rtlCol="0" anchor="ctr"/>
+            <a:lstStyle/>
+            <a:p>
+              <a:pPr algn="ctr"/>
+              <a:endParaRPr lang="en-US"/>
+            </a:p>
+          </p:txBody>
+        </p:sp>
+        <p:cxnSp>
+          <p:nvCxnSpPr>
+            <p:cNvPr id="27" name="Straight Arrow Connector 26"/>
+            <p:cNvCxnSpPr>
+              <a:stCxn id="26" idx="6"/>
+              <a:endCxn id="28" idx="2"/>
+            </p:cNvCxnSpPr>
+            <p:nvPr/>
+          </p:nvCxnSpPr>
+          <p:spPr>
+            <a:xfrm>
+              <a:off x="4035972" y="2102069"/>
+              <a:ext cx="1066801" cy="0"/>
+            </a:xfrm>
+            <a:prstGeom prst="straightConnector1">
+              <a:avLst/>
+            </a:prstGeom>
+            <a:ln w="38100">
+              <a:solidFill>
+                <a:schemeClr val="tx1"/>
+              </a:solidFill>
+              <a:tailEnd type="triangle" w="lg" len="med"/>
+            </a:ln>
+          </p:spPr>
+          <p:style>
+            <a:lnRef idx="1">
+              <a:schemeClr val="accent1"/>
+            </a:lnRef>
+            <a:fillRef idx="0">
+              <a:schemeClr val="accent1"/>
+            </a:fillRef>
+            <a:effectRef idx="0">
+              <a:schemeClr val="accent1"/>
+            </a:effectRef>
+            <a:fontRef idx="minor">
+              <a:schemeClr val="tx1"/>
+            </a:fontRef>
+          </p:style>
+        </p:cxnSp>
+        <p:sp>
+          <p:nvSpPr>
+            <p:cNvPr id="28" name="Oval 27"/>
+            <p:cNvSpPr/>
+            <p:nvPr/>
+          </p:nvSpPr>
+          <p:spPr>
+            <a:xfrm>
+              <a:off x="6526924" y="1923393"/>
+              <a:ext cx="357351" cy="357352"/>
+            </a:xfrm>
+            <a:prstGeom prst="ellipse">
+              <a:avLst/>
+            </a:prstGeom>
+            <a:noFill/>
+            <a:ln w="38100">
+              <a:solidFill>
+                <a:schemeClr val="tx1"/>
+              </a:solidFill>
+            </a:ln>
+          </p:spPr>
+          <p:style>
+            <a:lnRef idx="2">
+              <a:schemeClr val="accent1">
+                <a:shade val="50000"/>
+              </a:schemeClr>
+            </a:lnRef>
+            <a:fillRef idx="1">
+              <a:schemeClr val="accent1"/>
+            </a:fillRef>
+            <a:effectRef idx="0">
+              <a:schemeClr val="accent1"/>
+            </a:effectRef>
+            <a:fontRef idx="minor">
+              <a:schemeClr val="lt1"/>
+            </a:fontRef>
+          </p:style>
+          <p:txBody>
+            <a:bodyPr rtlCol="0" anchor="ctr"/>
+            <a:lstStyle/>
+            <a:p>
+              <a:pPr algn="ctr"/>
+              <a:endParaRPr lang="en-US"/>
+            </a:p>
+          </p:txBody>
+        </p:sp>
+        <p:cxnSp>
+          <p:nvCxnSpPr>
+            <p:cNvPr id="29" name="Straight Arrow Connector 28"/>
+            <p:cNvCxnSpPr>
+              <a:stCxn id="28" idx="6"/>
+            </p:cNvCxnSpPr>
+            <p:nvPr/>
+          </p:nvCxnSpPr>
+          <p:spPr>
+            <a:xfrm>
+              <a:off x="5460124" y="2102069"/>
+              <a:ext cx="1066800" cy="0"/>
+            </a:xfrm>
+            <a:prstGeom prst="straightConnector1">
+              <a:avLst/>
+            </a:prstGeom>
+            <a:ln w="38100">
+              <a:solidFill>
+                <a:schemeClr val="tx1"/>
+              </a:solidFill>
+              <a:tailEnd type="triangle" w="lg" len="med"/>
+            </a:ln>
+          </p:spPr>
+          <p:style>
+            <a:lnRef idx="1">
+              <a:schemeClr val="accent1"/>
+            </a:lnRef>
+            <a:fillRef idx="0">
+              <a:schemeClr val="accent1"/>
+            </a:fillRef>
+            <a:effectRef idx="0">
+              <a:schemeClr val="accent1"/>
+            </a:effectRef>
+            <a:fontRef idx="minor">
+              <a:schemeClr val="tx1"/>
+            </a:fontRef>
+          </p:style>
+        </p:cxnSp>
+      </p:grpSp>
+      <p:sp>
+        <p:nvSpPr>
+          <p:cNvPr id="30" name="Rectangular Callout 29"/>
+          <p:cNvSpPr/>
+          <p:nvPr/>
+        </p:nvSpPr>
+        <p:spPr>
+          <a:xfrm>
+            <a:off x="5538948" y="2291264"/>
+            <a:ext cx="5349769" cy="2079572"/>
+          </a:xfrm>
+          <a:prstGeom prst="wedgeRectCallout">
+            <a:avLst>
+              <a:gd name="adj1" fmla="val -24879"/>
+              <a:gd name="adj2" fmla="val -73284"/>
+            </a:avLst>
+          </a:prstGeom>
+          <a:noFill/>
+          <a:ln>
+            <a:solidFill>
+              <a:schemeClr val="tx1">
+                <a:lumMod val="95000"/>
+                <a:lumOff val="5000"/>
+              </a:schemeClr>
+            </a:solidFill>
+          </a:ln>
+        </p:spPr>
+        <p:style>
+          <a:lnRef idx="2">
+            <a:schemeClr val="accent1">
+              <a:shade val="50000"/>
+            </a:schemeClr>
+          </a:lnRef>
+          <a:fillRef idx="1">
+            <a:schemeClr val="accent1"/>
+          </a:fillRef>
+          <a:effectRef idx="0">
+            <a:schemeClr val="accent1"/>
+          </a:effectRef>
+          <a:fontRef idx="minor">
+            <a:schemeClr val="lt1"/>
+          </a:fontRef>
+        </p:style>
+        <p:txBody>
+          <a:bodyPr rtlCol="0" anchor="ctr"/>
+          <a:lstStyle/>
+          <a:p>
+            <a:r>
+              <a:rPr lang="en-US" sz="1200" b="1" dirty="0">
+                <a:solidFill>
+                  <a:schemeClr val="tx1"/>
+                </a:solidFill>
+                <a:latin typeface="Verdana" charset="0"/>
+                <a:ea typeface="Verdana" charset="0"/>
+                <a:cs typeface="Verdana" charset="0"/>
+              </a:rPr>
+              <a:t>Stage: </a:t>
+            </a:r>
+            <a:r>
+              <a:rPr lang="en-US" sz="1200" dirty="0">
+                <a:solidFill>
+                  <a:schemeClr val="tx1"/>
+                </a:solidFill>
+                <a:latin typeface="Verdana" charset="0"/>
+                <a:ea typeface="Verdana" charset="0"/>
+                <a:cs typeface="Verdana" charset="0"/>
+              </a:rPr>
+              <a:t>cluster-setup</a:t>
+            </a:r>
+          </a:p>
+          <a:p>
+            <a:endParaRPr lang="en-US" sz="1200" dirty="0">
+              <a:solidFill>
+                <a:schemeClr val="tx1"/>
+              </a:solidFill>
+              <a:latin typeface="Verdana" charset="0"/>
+              <a:ea typeface="Verdana" charset="0"/>
+              <a:cs typeface="Verdana" charset="0"/>
+            </a:endParaRPr>
+          </a:p>
+          <a:p>
+            <a:r>
+              <a:rPr lang="en-US" sz="1200" b="1" dirty="0">
+                <a:solidFill>
+                  <a:schemeClr val="tx1"/>
+                </a:solidFill>
+                <a:latin typeface="Verdana" charset="0"/>
+                <a:ea typeface="Verdana" charset="0"/>
+                <a:cs typeface="Verdana" charset="0"/>
+              </a:rPr>
+              <a:t>Description: </a:t>
+            </a:r>
+            <a:r>
+              <a:rPr lang="en-US" sz="1200" dirty="0">
+                <a:solidFill>
+                  <a:schemeClr val="tx1"/>
+                </a:solidFill>
+                <a:latin typeface="Verdana" charset="0"/>
+                <a:ea typeface="Verdana" charset="0"/>
+                <a:cs typeface="Verdana" charset="0"/>
+              </a:rPr>
+              <a:t>This stage allocates a set of nodes on the configured backend and writes a YAML file with metadata about each of the nodes in the cluster.</a:t>
+            </a:r>
+          </a:p>
+          <a:p>
+            <a:endParaRPr lang="en-US" sz="1200" b="1" dirty="0">
+              <a:solidFill>
+                <a:schemeClr val="tx1"/>
+              </a:solidFill>
+              <a:latin typeface="Verdana" charset="0"/>
+              <a:ea typeface="Verdana" charset="0"/>
+              <a:cs typeface="Verdana" charset="0"/>
+            </a:endParaRPr>
+          </a:p>
+          <a:p>
+            <a:r>
+              <a:rPr lang="en-US" sz="1200" b="1" dirty="0" smtClean="0">
+                <a:solidFill>
+                  <a:schemeClr val="tx1"/>
+                </a:solidFill>
+                <a:latin typeface="Verdana" charset="0"/>
+                <a:ea typeface="Verdana" charset="0"/>
+                <a:cs typeface="Verdana" charset="0"/>
+              </a:rPr>
+              <a:t>Required variables:</a:t>
+            </a:r>
+            <a:endParaRPr lang="en-US" sz="1200" dirty="0">
+              <a:solidFill>
+                <a:schemeClr val="tx1"/>
+              </a:solidFill>
+              <a:latin typeface="Verdana" charset="0"/>
+              <a:ea typeface="Verdana" charset="0"/>
+              <a:cs typeface="Verdana" charset="0"/>
+            </a:endParaRPr>
+          </a:p>
+          <a:p>
+            <a:pPr marL="285750" indent="-285750">
+              <a:buFont typeface="Arial" charset="0"/>
+              <a:buChar char="•"/>
+            </a:pPr>
+            <a:r>
+              <a:rPr lang="en-US" sz="1000" dirty="0">
+                <a:solidFill>
+                  <a:schemeClr val="tx1"/>
+                </a:solidFill>
+                <a:latin typeface="Verdana" charset="0"/>
+                <a:ea typeface="Verdana" charset="0"/>
+                <a:cs typeface="Verdana" charset="0"/>
+              </a:rPr>
+              <a:t>CLOUDLAB_USER_NAME</a:t>
+            </a:r>
+          </a:p>
+          <a:p>
+            <a:pPr marL="285750" indent="-285750">
+              <a:buFont typeface="Arial" charset="0"/>
+              <a:buChar char="•"/>
+            </a:pPr>
+            <a:r>
+              <a:rPr lang="en-US" sz="1000" dirty="0">
+                <a:solidFill>
+                  <a:schemeClr val="tx1"/>
+                </a:solidFill>
+                <a:latin typeface="Verdana" charset="0"/>
+                <a:ea typeface="Verdana" charset="0"/>
+                <a:cs typeface="Verdana" charset="0"/>
+              </a:rPr>
+              <a:t>CLOUDLAB_PASSWORD</a:t>
+            </a:r>
+          </a:p>
+          <a:p>
+            <a:pPr marL="285750" indent="-285750">
+              <a:buFont typeface="Arial" charset="0"/>
+              <a:buChar char="•"/>
+            </a:pPr>
+            <a:r>
+              <a:rPr lang="en-US" sz="1000" dirty="0">
+                <a:solidFill>
+                  <a:schemeClr val="tx1"/>
+                </a:solidFill>
+                <a:latin typeface="Verdana" charset="0"/>
+                <a:ea typeface="Verdana" charset="0"/>
+                <a:cs typeface="Verdana" charset="0"/>
+              </a:rPr>
+              <a:t>CLOUDLAB_CERT_PATH</a:t>
+            </a:r>
+          </a:p>
+        </p:txBody>
+      </p:sp>
+      <p:sp>
+        <p:nvSpPr>
+          <p:cNvPr id="31" name="TextBox 30"/>
+          <p:cNvSpPr txBox="1"/>
+          <p:nvPr/>
+        </p:nvSpPr>
+        <p:spPr>
+          <a:xfrm>
+            <a:off x="515008" y="2507167"/>
+            <a:ext cx="3734830" cy="1600438"/>
+          </a:xfrm>
+          <a:prstGeom prst="rect">
+            <a:avLst/>
+          </a:prstGeom>
+          <a:noFill/>
+        </p:spPr>
+        <p:txBody>
+          <a:bodyPr wrap="square" rtlCol="0">
+            <a:spAutoFit/>
+          </a:bodyPr>
+          <a:lstStyle/>
+          <a:p>
+            <a:r>
+              <a:rPr lang="en-US" sz="1400" b="1" dirty="0" smtClean="0">
+                <a:latin typeface="Verdana" charset="0"/>
+                <a:ea typeface="Verdana" charset="0"/>
+                <a:cs typeface="Verdana" charset="0"/>
+              </a:rPr>
+              <a:t>Description:</a:t>
+            </a:r>
+            <a:r>
+              <a:rPr lang="en-US" sz="1400" dirty="0">
+                <a:latin typeface="Verdana" charset="0"/>
+                <a:ea typeface="Verdana" charset="0"/>
+                <a:cs typeface="Verdana" charset="0"/>
+              </a:rPr>
+              <a:t> </a:t>
+            </a:r>
+            <a:r>
+              <a:rPr lang="en-US" sz="1400" dirty="0" smtClean="0">
+                <a:latin typeface="Verdana" charset="0"/>
+                <a:ea typeface="Verdana" charset="0"/>
+                <a:cs typeface="Verdana" charset="0"/>
+              </a:rPr>
+              <a:t>This pipeline benchmarks </a:t>
+            </a:r>
+            <a:r>
+              <a:rPr lang="en-US" sz="1400" dirty="0" err="1" smtClean="0">
+                <a:latin typeface="Verdana" charset="0"/>
+                <a:ea typeface="Verdana" charset="0"/>
+                <a:cs typeface="Verdana" charset="0"/>
+              </a:rPr>
+              <a:t>tensorflow</a:t>
+            </a:r>
+            <a:r>
+              <a:rPr lang="en-US" sz="1400" dirty="0" smtClean="0">
+                <a:latin typeface="Verdana" charset="0"/>
+                <a:ea typeface="Verdana" charset="0"/>
+                <a:cs typeface="Verdana" charset="0"/>
+              </a:rPr>
+              <a:t> embedded in Spark workers.</a:t>
+            </a:r>
+          </a:p>
+          <a:p>
+            <a:endParaRPr lang="en-US" sz="1400" dirty="0">
+              <a:latin typeface="Verdana" charset="0"/>
+              <a:ea typeface="Verdana" charset="0"/>
+              <a:cs typeface="Verdana" charset="0"/>
+            </a:endParaRPr>
+          </a:p>
+          <a:p>
+            <a:r>
+              <a:rPr lang="en-US" sz="1400" b="1" dirty="0" smtClean="0">
+                <a:latin typeface="Verdana" charset="0"/>
+                <a:ea typeface="Verdana" charset="0"/>
+                <a:cs typeface="Verdana" charset="0"/>
+              </a:rPr>
+              <a:t>Runs on: </a:t>
+            </a:r>
+            <a:r>
+              <a:rPr lang="en-US" sz="1400" dirty="0" err="1" smtClean="0">
+                <a:latin typeface="Verdana" charset="0"/>
+                <a:ea typeface="Verdana" charset="0"/>
+                <a:cs typeface="Verdana" charset="0"/>
+              </a:rPr>
+              <a:t>CloudLab</a:t>
+            </a:r>
+            <a:r>
+              <a:rPr lang="en-US" sz="1400" dirty="0" smtClean="0">
+                <a:latin typeface="Verdana" charset="0"/>
+                <a:ea typeface="Verdana" charset="0"/>
+                <a:cs typeface="Verdana" charset="0"/>
+              </a:rPr>
+              <a:t>, </a:t>
+            </a:r>
+            <a:r>
+              <a:rPr lang="en-US" sz="1400" dirty="0" err="1" smtClean="0">
+                <a:latin typeface="Verdana" charset="0"/>
+                <a:ea typeface="Verdana" charset="0"/>
+                <a:cs typeface="Verdana" charset="0"/>
+              </a:rPr>
+              <a:t>ChameleonCloud</a:t>
+            </a:r>
+            <a:endParaRPr lang="en-US" sz="1400" dirty="0" smtClean="0">
+              <a:latin typeface="Verdana" charset="0"/>
+              <a:ea typeface="Verdana" charset="0"/>
+              <a:cs typeface="Verdana" charset="0"/>
+            </a:endParaRPr>
+          </a:p>
+          <a:p>
+            <a:endParaRPr lang="en-US" sz="1400" dirty="0" smtClean="0">
+              <a:latin typeface="Verdana" charset="0"/>
+              <a:ea typeface="Verdana" charset="0"/>
+              <a:cs typeface="Verdana" charset="0"/>
+            </a:endParaRPr>
+          </a:p>
+          <a:p>
+            <a:r>
+              <a:rPr lang="en-US" sz="1400" dirty="0" smtClean="0">
+                <a:latin typeface="Verdana" charset="0"/>
+                <a:ea typeface="Verdana" charset="0"/>
+                <a:cs typeface="Verdana" charset="0"/>
+              </a:rPr>
+              <a:t>Status: </a:t>
+            </a:r>
+            <a:endParaRPr lang="en-US" sz="1400" dirty="0">
+              <a:latin typeface="Verdana" charset="0"/>
+              <a:ea typeface="Verdana" charset="0"/>
+              <a:cs typeface="Verdana" charset="0"/>
+            </a:endParaRPr>
+          </a:p>
+        </p:txBody>
+      </p:sp>
+      <p:sp>
+        <p:nvSpPr>
+          <p:cNvPr id="37" name="Rectangle 36"/>
+          <p:cNvSpPr/>
+          <p:nvPr/>
+        </p:nvSpPr>
+        <p:spPr>
+          <a:xfrm>
+            <a:off x="3251804" y="3897684"/>
+            <a:ext cx="929179" cy="253854"/>
+          </a:xfrm>
+          <a:prstGeom prst="rect">
+            <a:avLst/>
+          </a:prstGeom>
+          <a:noFill/>
+          <a:ln w="28575">
+            <a:solidFill>
+              <a:schemeClr val="tx1"/>
+            </a:solidFill>
+          </a:ln>
+        </p:spPr>
+        <p:style>
+          <a:lnRef idx="2">
+            <a:schemeClr val="accent1">
+              <a:shade val="50000"/>
+            </a:schemeClr>
+          </a:lnRef>
+          <a:fillRef idx="1">
+            <a:schemeClr val="accent1"/>
+          </a:fillRef>
+          <a:effectRef idx="0">
+            <a:schemeClr val="accent1"/>
+          </a:effectRef>
+          <a:fontRef idx="minor">
+            <a:schemeClr val="lt1"/>
+          </a:fontRef>
+        </p:style>
+        <p:txBody>
+          <a:bodyPr rtlCol="0" anchor="ctr"/>
+          <a:lstStyle/>
+          <a:p>
+            <a:pPr algn="ctr"/>
+            <a:r>
+              <a:rPr lang="en-US" sz="1400" dirty="0" smtClean="0">
+                <a:solidFill>
+                  <a:schemeClr val="tx1"/>
+                </a:solidFill>
+              </a:rPr>
+              <a:t>Import</a:t>
+            </a:r>
+            <a:endParaRPr lang="en-US" sz="1400" dirty="0">
+              <a:solidFill>
+                <a:schemeClr val="tx1"/>
+              </a:solidFill>
+            </a:endParaRPr>
+          </a:p>
+        </p:txBody>
+      </p:sp>
+      <p:sp>
+        <p:nvSpPr>
+          <p:cNvPr id="39" name="Rectangle 38"/>
+          <p:cNvSpPr/>
+          <p:nvPr/>
+        </p:nvSpPr>
+        <p:spPr>
+          <a:xfrm>
+            <a:off x="7609495" y="3312332"/>
+            <a:ext cx="3048000" cy="769441"/>
+          </a:xfrm>
+          <a:prstGeom prst="rect">
+            <a:avLst/>
+          </a:prstGeom>
+        </p:spPr>
+        <p:txBody>
+          <a:bodyPr wrap="square">
+            <a:spAutoFit/>
+          </a:bodyPr>
+          <a:lstStyle/>
+          <a:p>
+            <a:pPr lvl="0"/>
+            <a:endParaRPr lang="en-US" sz="1200" b="1" dirty="0">
+              <a:solidFill>
+                <a:prstClr val="black"/>
+              </a:solidFill>
+              <a:latin typeface="Verdana" charset="0"/>
+              <a:ea typeface="Verdana" charset="0"/>
+              <a:cs typeface="Verdana" charset="0"/>
+            </a:endParaRPr>
+          </a:p>
+          <a:p>
+            <a:pPr lvl="0"/>
+            <a:r>
+              <a:rPr lang="en-US" sz="1200" b="1" dirty="0" smtClean="0">
+                <a:solidFill>
+                  <a:prstClr val="black"/>
+                </a:solidFill>
+                <a:latin typeface="Verdana" charset="0"/>
+                <a:ea typeface="Verdana" charset="0"/>
+                <a:cs typeface="Verdana" charset="0"/>
+              </a:rPr>
+              <a:t>Dependencies</a:t>
+            </a:r>
+            <a:endParaRPr lang="en-US" sz="1200" dirty="0">
+              <a:solidFill>
+                <a:prstClr val="black"/>
+              </a:solidFill>
+              <a:latin typeface="Verdana" charset="0"/>
+              <a:ea typeface="Verdana" charset="0"/>
+              <a:cs typeface="Verdana" charset="0"/>
+            </a:endParaRPr>
+          </a:p>
+          <a:p>
+            <a:pPr marL="285750" lvl="0" indent="-285750">
+              <a:buFont typeface="Arial" charset="0"/>
+              <a:buChar char="•"/>
+            </a:pPr>
+            <a:r>
+              <a:rPr lang="en-US" sz="1000" dirty="0" smtClean="0">
+                <a:solidFill>
+                  <a:prstClr val="black"/>
+                </a:solidFill>
+                <a:latin typeface="Verdana" charset="0"/>
+                <a:ea typeface="Verdana" charset="0"/>
+                <a:cs typeface="Verdana" charset="0"/>
+              </a:rPr>
+              <a:t>Docker +17.03</a:t>
+            </a:r>
+            <a:endParaRPr lang="en-US" sz="1000" dirty="0">
+              <a:solidFill>
+                <a:prstClr val="black"/>
+              </a:solidFill>
+              <a:latin typeface="Verdana" charset="0"/>
+              <a:ea typeface="Verdana" charset="0"/>
+              <a:cs typeface="Verdana" charset="0"/>
+            </a:endParaRPr>
+          </a:p>
+          <a:p>
+            <a:pPr marL="285750" lvl="0" indent="-285750">
+              <a:buFont typeface="Arial" charset="0"/>
+              <a:buChar char="•"/>
+            </a:pPr>
+            <a:r>
+              <a:rPr lang="en-US" sz="1000" dirty="0" smtClean="0">
+                <a:solidFill>
+                  <a:prstClr val="black"/>
+                </a:solidFill>
+                <a:latin typeface="Verdana" charset="0"/>
+                <a:ea typeface="Verdana" charset="0"/>
+                <a:cs typeface="Verdana" charset="0"/>
+              </a:rPr>
+              <a:t>Python 2.7</a:t>
+            </a:r>
+            <a:endParaRPr lang="en-US" sz="1000" dirty="0">
+              <a:solidFill>
+                <a:prstClr val="black"/>
+              </a:solidFill>
+              <a:latin typeface="Verdana" charset="0"/>
+              <a:ea typeface="Verdana" charset="0"/>
+              <a:cs typeface="Verdana" charset="0"/>
+            </a:endParaRPr>
+          </a:p>
+        </p:txBody>
+      </p:sp>
+      <p:sp>
+        <p:nvSpPr>
+          <p:cNvPr id="40" name="Rectangle 39"/>
+          <p:cNvSpPr/>
+          <p:nvPr/>
+        </p:nvSpPr>
+        <p:spPr>
+          <a:xfrm>
+            <a:off x="9847045" y="3980678"/>
+            <a:ext cx="929179" cy="253854"/>
+          </a:xfrm>
+          <a:prstGeom prst="rect">
+            <a:avLst/>
+          </a:prstGeom>
+          <a:noFill/>
+          <a:ln w="28575">
+            <a:solidFill>
+              <a:schemeClr val="tx1">
+                <a:lumMod val="95000"/>
+                <a:lumOff val="5000"/>
+              </a:schemeClr>
+            </a:solidFill>
+          </a:ln>
+        </p:spPr>
+        <p:style>
+          <a:lnRef idx="2">
+            <a:schemeClr val="accent1">
+              <a:shade val="50000"/>
+            </a:schemeClr>
+          </a:lnRef>
+          <a:fillRef idx="1">
+            <a:schemeClr val="accent1"/>
+          </a:fillRef>
+          <a:effectRef idx="0">
+            <a:schemeClr val="accent1"/>
+          </a:effectRef>
+          <a:fontRef idx="minor">
+            <a:schemeClr val="lt1"/>
+          </a:fontRef>
+        </p:style>
+        <p:txBody>
+          <a:bodyPr rtlCol="0" anchor="ctr"/>
+          <a:lstStyle/>
+          <a:p>
+            <a:pPr algn="ctr"/>
+            <a:r>
+              <a:rPr lang="en-US" sz="1400" dirty="0" smtClean="0">
+                <a:solidFill>
+                  <a:schemeClr val="tx1"/>
+                </a:solidFill>
+              </a:rPr>
+              <a:t>Import</a:t>
+            </a:r>
+            <a:endParaRPr lang="en-US" sz="1400" dirty="0">
+              <a:solidFill>
+                <a:schemeClr val="tx1"/>
+              </a:solidFill>
+            </a:endParaRPr>
+          </a:p>
+        </p:txBody>
+      </p:sp>
+    </p:spTree>
+    <p:extLst>
+      <p:ext uri="{BB962C8B-B14F-4D97-AF65-F5344CB8AC3E}">
+        <p14:creationId xmlns:p14="http://schemas.microsoft.com/office/powerpoint/2010/main" val="209782149"/>
+      </p:ext>
+    </p:extLst>
+  </p:cSld>
+  <p:clrMapOvr>
+    <a:masterClrMapping/>
+  </p:clrMapOvr>
+</p:sld>
+</file>
+
 <file path=ppt/theme/theme1.xml><?xml version="1.0" encoding="utf-8"?>
 <a:theme xmlns:a="http://schemas.openxmlformats.org/drawingml/2006/main" name="Office Theme">
   <a:themeElements>
